--- a/4th/Final_project/status report/MohammedAlshuaili_20106181_Presentation.pptx
+++ b/4th/Final_project/status report/MohammedAlshuaili_20106181_Presentation.pptx
@@ -16482,7 +16482,7 @@
           <a:p>
             <a:fld id="{A53B01F1-968B-4B1E-9B2A-AA56BC1B8BC5}" type="datetimeFigureOut">
               <a:rPr lang="en-US" smtClean="0"/>
-              <a:t>1/19/2025</a:t>
+              <a:t>1/20/2025</a:t>
             </a:fld>
             <a:endParaRPr lang="en-US"/>
           </a:p>
@@ -17224,7 +17224,7 @@
           <a:p>
             <a:fld id="{5BCAD085-E8A6-8845-BD4E-CB4CCA059FC4}" type="datetimeFigureOut">
               <a:rPr lang="en-US" smtClean="0"/>
-              <a:t>1/19/2025</a:t>
+              <a:t>1/20/2025</a:t>
             </a:fld>
             <a:endParaRPr lang="en-US"/>
           </a:p>
@@ -17466,7 +17466,7 @@
           <a:p>
             <a:fld id="{5BCAD085-E8A6-8845-BD4E-CB4CCA059FC4}" type="datetimeFigureOut">
               <a:rPr lang="en-US" smtClean="0"/>
-              <a:t>1/19/2025</a:t>
+              <a:t>1/20/2025</a:t>
             </a:fld>
             <a:endParaRPr lang="en-US"/>
           </a:p>
@@ -17650,7 +17650,7 @@
           <a:p>
             <a:fld id="{5BCAD085-E8A6-8845-BD4E-CB4CCA059FC4}" type="datetimeFigureOut">
               <a:rPr lang="en-US" smtClean="0"/>
-              <a:t>1/19/2025</a:t>
+              <a:t>1/20/2025</a:t>
             </a:fld>
             <a:endParaRPr lang="en-US"/>
           </a:p>
@@ -17851,7 +17851,7 @@
           <a:p>
             <a:fld id="{5BCAD085-E8A6-8845-BD4E-CB4CCA059FC4}" type="datetimeFigureOut">
               <a:rPr lang="en-US" smtClean="0"/>
-              <a:t>1/19/2025</a:t>
+              <a:t>1/20/2025</a:t>
             </a:fld>
             <a:endParaRPr lang="en-US"/>
           </a:p>
@@ -18130,7 +18130,7 @@
           <a:p>
             <a:fld id="{5BCAD085-E8A6-8845-BD4E-CB4CCA059FC4}" type="datetimeFigureOut">
               <a:rPr lang="en-US" smtClean="0"/>
-              <a:t>1/19/2025</a:t>
+              <a:t>1/20/2025</a:t>
             </a:fld>
             <a:endParaRPr lang="en-US"/>
           </a:p>
@@ -18398,7 +18398,7 @@
           <a:p>
             <a:fld id="{5BCAD085-E8A6-8845-BD4E-CB4CCA059FC4}" type="datetimeFigureOut">
               <a:rPr lang="en-US" smtClean="0"/>
-              <a:t>1/19/2025</a:t>
+              <a:t>1/20/2025</a:t>
             </a:fld>
             <a:endParaRPr lang="en-US"/>
           </a:p>
@@ -18845,7 +18845,7 @@
           <a:p>
             <a:fld id="{5BCAD085-E8A6-8845-BD4E-CB4CCA059FC4}" type="datetimeFigureOut">
               <a:rPr lang="en-US" smtClean="0"/>
-              <a:t>1/19/2025</a:t>
+              <a:t>1/20/2025</a:t>
             </a:fld>
             <a:endParaRPr lang="en-US"/>
           </a:p>
@@ -18994,7 +18994,7 @@
           <a:p>
             <a:fld id="{5BCAD085-E8A6-8845-BD4E-CB4CCA059FC4}" type="datetimeFigureOut">
               <a:rPr lang="en-US" smtClean="0"/>
-              <a:t>1/19/2025</a:t>
+              <a:t>1/20/2025</a:t>
             </a:fld>
             <a:endParaRPr lang="en-US"/>
           </a:p>
@@ -19089,7 +19089,7 @@
           <a:p>
             <a:fld id="{5BCAD085-E8A6-8845-BD4E-CB4CCA059FC4}" type="datetimeFigureOut">
               <a:rPr lang="en-US" smtClean="0"/>
-              <a:t>1/19/2025</a:t>
+              <a:t>1/20/2025</a:t>
             </a:fld>
             <a:endParaRPr lang="en-US"/>
           </a:p>
@@ -19342,7 +19342,7 @@
           <a:p>
             <a:fld id="{5BCAD085-E8A6-8845-BD4E-CB4CCA059FC4}" type="datetimeFigureOut">
               <a:rPr lang="en-US" smtClean="0"/>
-              <a:t>1/19/2025</a:t>
+              <a:t>1/20/2025</a:t>
             </a:fld>
             <a:endParaRPr lang="en-US"/>
           </a:p>
@@ -19787,7 +19787,7 @@
           <a:p>
             <a:fld id="{5BCAD085-E8A6-8845-BD4E-CB4CCA059FC4}" type="datetimeFigureOut">
               <a:rPr lang="en-US" smtClean="0"/>
-              <a:t>1/19/2025</a:t>
+              <a:t>1/20/2025</a:t>
             </a:fld>
             <a:endParaRPr lang="en-US"/>
           </a:p>
@@ -20151,7 +20151,7 @@
           <a:p>
             <a:fld id="{5BCAD085-E8A6-8845-BD4E-CB4CCA059FC4}" type="datetimeFigureOut">
               <a:rPr lang="en-US" smtClean="0"/>
-              <a:t>1/19/2025</a:t>
+              <a:t>1/20/2025</a:t>
             </a:fld>
             <a:endParaRPr lang="en-US"/>
           </a:p>
@@ -21584,8 +21584,8 @@
           </a:prstGeom>
         </p:spPr>
       </p:pic>
-      <mc:AlternateContent xmlns:mc="http://schemas.openxmlformats.org/markup-compatibility/2006">
-        <mc:Choice xmlns:a14="http://schemas.microsoft.com/office/drawing/2010/main" Requires="a14">
+      <mc:AlternateContent xmlns:mc="http://schemas.openxmlformats.org/markup-compatibility/2006" xmlns:a14="http://schemas.microsoft.com/office/drawing/2010/main">
+        <mc:Choice Requires="a14">
           <p:sp>
             <p:nvSpPr>
               <p:cNvPr id="12" name="TextBox 11">
@@ -22266,7 +22266,7 @@
             </p:txBody>
           </p:sp>
         </mc:Choice>
-        <mc:Fallback>
+        <mc:Fallback xmlns="">
           <p:sp>
             <p:nvSpPr>
               <p:cNvPr id="12" name="TextBox 11">
@@ -22311,8 +22311,8 @@
           </p:sp>
         </mc:Fallback>
       </mc:AlternateContent>
-      <mc:AlternateContent xmlns:mc="http://schemas.openxmlformats.org/markup-compatibility/2006">
-        <mc:Choice xmlns:a14="http://schemas.microsoft.com/office/drawing/2010/main" Requires="a14">
+      <mc:AlternateContent xmlns:mc="http://schemas.openxmlformats.org/markup-compatibility/2006" xmlns:a14="http://schemas.microsoft.com/office/drawing/2010/main">
+        <mc:Choice Requires="a14">
           <p:sp>
             <p:nvSpPr>
               <p:cNvPr id="13" name="TextBox 12">
@@ -22341,6 +22341,7 @@
               </a:bodyPr>
               <a:lstStyle/>
               <a:p>
+                <a:pPr/>
                 <a14:m>
                   <m:oMathPara xmlns:m="http://schemas.openxmlformats.org/officeDocument/2006/math">
                     <m:oMathParaPr>
@@ -22768,6 +22769,7 @@
                 </a:endParaRPr>
               </a:p>
               <a:p>
+                <a:pPr/>
                 <a14:m>
                   <m:oMathPara xmlns:m="http://schemas.openxmlformats.org/officeDocument/2006/math">
                     <m:oMathParaPr>
@@ -23150,7 +23152,7 @@
             </p:txBody>
           </p:sp>
         </mc:Choice>
-        <mc:Fallback>
+        <mc:Fallback xmlns="">
           <p:sp>
             <p:nvSpPr>
               <p:cNvPr id="13" name="TextBox 12">
@@ -23235,8 +23237,8 @@
           </a:effectLst>
         </p:spPr>
       </p:pic>
-      <mc:AlternateContent xmlns:mc="http://schemas.openxmlformats.org/markup-compatibility/2006">
-        <mc:Choice xmlns:a14="http://schemas.microsoft.com/office/drawing/2010/main" Requires="a14">
+      <mc:AlternateContent xmlns:mc="http://schemas.openxmlformats.org/markup-compatibility/2006" xmlns:a14="http://schemas.microsoft.com/office/drawing/2010/main">
+        <mc:Choice Requires="a14">
           <p:sp>
             <p:nvSpPr>
               <p:cNvPr id="16" name="TextBox 15">
@@ -23792,7 +23794,7 @@
             </p:txBody>
           </p:sp>
         </mc:Choice>
-        <mc:Fallback>
+        <mc:Fallback xmlns="">
           <p:sp>
             <p:nvSpPr>
               <p:cNvPr id="16" name="TextBox 15">
@@ -23837,8 +23839,8 @@
           </p:sp>
         </mc:Fallback>
       </mc:AlternateContent>
-      <mc:AlternateContent xmlns:mc="http://schemas.openxmlformats.org/markup-compatibility/2006">
-        <mc:Choice xmlns:a14="http://schemas.microsoft.com/office/drawing/2010/main" Requires="a14">
+      <mc:AlternateContent xmlns:mc="http://schemas.openxmlformats.org/markup-compatibility/2006" xmlns:a14="http://schemas.microsoft.com/office/drawing/2010/main">
+        <mc:Choice Requires="a14">
           <p:sp>
             <p:nvSpPr>
               <p:cNvPr id="17" name="TextBox 16">
@@ -24504,7 +24506,7 @@
             </p:txBody>
           </p:sp>
         </mc:Choice>
-        <mc:Fallback>
+        <mc:Fallback xmlns="">
           <p:sp>
             <p:nvSpPr>
               <p:cNvPr id="17" name="TextBox 16">
@@ -24549,8 +24551,8 @@
           </p:sp>
         </mc:Fallback>
       </mc:AlternateContent>
-      <mc:AlternateContent xmlns:mc="http://schemas.openxmlformats.org/markup-compatibility/2006">
-        <mc:Choice xmlns:a14="http://schemas.microsoft.com/office/drawing/2010/main" Requires="a14">
+      <mc:AlternateContent xmlns:mc="http://schemas.openxmlformats.org/markup-compatibility/2006" xmlns:a14="http://schemas.microsoft.com/office/drawing/2010/main">
+        <mc:Choice Requires="a14">
           <p:sp>
             <p:nvSpPr>
               <p:cNvPr id="18" name="TextBox 17">
@@ -24579,6 +24581,7 @@
               </a:bodyPr>
               <a:lstStyle/>
               <a:p>
+                <a:pPr/>
                 <a14:m>
                   <m:oMathPara xmlns:m="http://schemas.openxmlformats.org/officeDocument/2006/math">
                     <m:oMathParaPr>
@@ -24918,7 +24921,7 @@
             </p:txBody>
           </p:sp>
         </mc:Choice>
-        <mc:Fallback>
+        <mc:Fallback xmlns="">
           <p:sp>
             <p:nvSpPr>
               <p:cNvPr id="18" name="TextBox 17">
@@ -24963,8 +24966,8 @@
           </p:sp>
         </mc:Fallback>
       </mc:AlternateContent>
-      <mc:AlternateContent xmlns:mc="http://schemas.openxmlformats.org/markup-compatibility/2006">
-        <mc:Choice xmlns:a14="http://schemas.microsoft.com/office/drawing/2010/main" Requires="a14">
+      <mc:AlternateContent xmlns:mc="http://schemas.openxmlformats.org/markup-compatibility/2006" xmlns:a14="http://schemas.microsoft.com/office/drawing/2010/main">
+        <mc:Choice Requires="a14">
           <p:sp>
             <p:nvSpPr>
               <p:cNvPr id="19" name="TextBox 18">
@@ -24993,6 +24996,7 @@
               </a:bodyPr>
               <a:lstStyle/>
               <a:p>
+                <a:pPr/>
                 <a14:m>
                   <m:oMathPara xmlns:m="http://schemas.openxmlformats.org/officeDocument/2006/math">
                     <m:oMathParaPr>
@@ -25128,7 +25132,7 @@
             </p:txBody>
           </p:sp>
         </mc:Choice>
-        <mc:Fallback>
+        <mc:Fallback xmlns="">
           <p:sp>
             <p:nvSpPr>
               <p:cNvPr id="19" name="TextBox 18">
